--- a/documents/gemini-at-hec.pptx
+++ b/documents/gemini-at-hec.pptx
@@ -244,7 +244,7 @@
           <a:p>
             <a:fld id="{9F57208C-9E36-4548-B8B0-B94AF0DEB71B}" type="datetimeFigureOut">
               <a:rPr lang="en-CA" smtClean="0"/>
-              <a:t>2024-04-09</a:t>
+              <a:t>2024-04-22</a:t>
             </a:fld>
             <a:endParaRPr lang="en-CA"/>
           </a:p>
@@ -414,7 +414,7 @@
           <a:p>
             <a:fld id="{9F57208C-9E36-4548-B8B0-B94AF0DEB71B}" type="datetimeFigureOut">
               <a:rPr lang="en-CA" smtClean="0"/>
-              <a:t>2024-04-09</a:t>
+              <a:t>2024-04-22</a:t>
             </a:fld>
             <a:endParaRPr lang="en-CA"/>
           </a:p>
@@ -594,7 +594,7 @@
           <a:p>
             <a:fld id="{9F57208C-9E36-4548-B8B0-B94AF0DEB71B}" type="datetimeFigureOut">
               <a:rPr lang="en-CA" smtClean="0"/>
-              <a:t>2024-04-09</a:t>
+              <a:t>2024-04-22</a:t>
             </a:fld>
             <a:endParaRPr lang="en-CA"/>
           </a:p>
@@ -764,7 +764,7 @@
           <a:p>
             <a:fld id="{9F57208C-9E36-4548-B8B0-B94AF0DEB71B}" type="datetimeFigureOut">
               <a:rPr lang="en-CA" smtClean="0"/>
-              <a:t>2024-04-09</a:t>
+              <a:t>2024-04-22</a:t>
             </a:fld>
             <a:endParaRPr lang="en-CA"/>
           </a:p>
@@ -1010,7 +1010,7 @@
           <a:p>
             <a:fld id="{9F57208C-9E36-4548-B8B0-B94AF0DEB71B}" type="datetimeFigureOut">
               <a:rPr lang="en-CA" smtClean="0"/>
-              <a:t>2024-04-09</a:t>
+              <a:t>2024-04-22</a:t>
             </a:fld>
             <a:endParaRPr lang="en-CA"/>
           </a:p>
@@ -1242,7 +1242,7 @@
           <a:p>
             <a:fld id="{9F57208C-9E36-4548-B8B0-B94AF0DEB71B}" type="datetimeFigureOut">
               <a:rPr lang="en-CA" smtClean="0"/>
-              <a:t>2024-04-09</a:t>
+              <a:t>2024-04-22</a:t>
             </a:fld>
             <a:endParaRPr lang="en-CA"/>
           </a:p>
@@ -1609,7 +1609,7 @@
           <a:p>
             <a:fld id="{9F57208C-9E36-4548-B8B0-B94AF0DEB71B}" type="datetimeFigureOut">
               <a:rPr lang="en-CA" smtClean="0"/>
-              <a:t>2024-04-09</a:t>
+              <a:t>2024-04-22</a:t>
             </a:fld>
             <a:endParaRPr lang="en-CA"/>
           </a:p>
@@ -1727,7 +1727,7 @@
           <a:p>
             <a:fld id="{9F57208C-9E36-4548-B8B0-B94AF0DEB71B}" type="datetimeFigureOut">
               <a:rPr lang="en-CA" smtClean="0"/>
-              <a:t>2024-04-09</a:t>
+              <a:t>2024-04-22</a:t>
             </a:fld>
             <a:endParaRPr lang="en-CA"/>
           </a:p>
@@ -1822,7 +1822,7 @@
           <a:p>
             <a:fld id="{9F57208C-9E36-4548-B8B0-B94AF0DEB71B}" type="datetimeFigureOut">
               <a:rPr lang="en-CA" smtClean="0"/>
-              <a:t>2024-04-09</a:t>
+              <a:t>2024-04-22</a:t>
             </a:fld>
             <a:endParaRPr lang="en-CA"/>
           </a:p>
@@ -2099,7 +2099,7 @@
           <a:p>
             <a:fld id="{9F57208C-9E36-4548-B8B0-B94AF0DEB71B}" type="datetimeFigureOut">
               <a:rPr lang="en-CA" smtClean="0"/>
-              <a:t>2024-04-09</a:t>
+              <a:t>2024-04-22</a:t>
             </a:fld>
             <a:endParaRPr lang="en-CA"/>
           </a:p>
@@ -2356,7 +2356,7 @@
           <a:p>
             <a:fld id="{9F57208C-9E36-4548-B8B0-B94AF0DEB71B}" type="datetimeFigureOut">
               <a:rPr lang="en-CA" smtClean="0"/>
-              <a:t>2024-04-09</a:t>
+              <a:t>2024-04-22</a:t>
             </a:fld>
             <a:endParaRPr lang="en-CA"/>
           </a:p>
@@ -2569,7 +2569,7 @@
           <a:p>
             <a:fld id="{9F57208C-9E36-4548-B8B0-B94AF0DEB71B}" type="datetimeFigureOut">
               <a:rPr lang="en-CA" smtClean="0"/>
-              <a:t>2024-04-09</a:t>
+              <a:t>2024-04-22</a:t>
             </a:fld>
             <a:endParaRPr lang="en-CA"/>
           </a:p>
